--- a/chap5_CNN/doc/CNN.pptx
+++ b/chap5_CNN/doc/CNN.pptx
@@ -5,7 +5,7 @@
     <p:sldMasterId id="2147483648" r:id="rId1"/>
   </p:sldMasterIdLst>
   <p:notesMasterIdLst>
-    <p:notesMasterId r:id="rId19"/>
+    <p:notesMasterId r:id="rId20"/>
   </p:notesMasterIdLst>
   <p:sldIdLst>
     <p:sldId id="256" r:id="rId2"/>
@@ -24,7 +24,8 @@
     <p:sldId id="272" r:id="rId15"/>
     <p:sldId id="273" r:id="rId16"/>
     <p:sldId id="271" r:id="rId17"/>
-    <p:sldId id="270" r:id="rId18"/>
+    <p:sldId id="274" r:id="rId18"/>
+    <p:sldId id="270" r:id="rId19"/>
   </p:sldIdLst>
   <p:sldSz cx="12192000" cy="6858000"/>
   <p:notesSz cx="6858000" cy="9144000"/>
@@ -5039,7 +5040,7 @@
         <p:spPr>
           <a:xfrm>
             <a:off x="7050415" y="1425822"/>
-            <a:ext cx="2620846" cy="461665"/>
+            <a:ext cx="3327770" cy="461665"/>
           </a:xfrm>
           <a:prstGeom prst="rect">
             <a:avLst/>
@@ -5099,7 +5100,7 @@
                 <a:latin typeface="微软雅黑" panose="020B0503020204020204" pitchFamily="34" charset="-122"/>
                 <a:ea typeface="微软雅黑" panose="020B0503020204020204" pitchFamily="34" charset="-122"/>
               </a:rPr>
-              <a:t>2x2</a:t>
+              <a:t>2x2  S: 2</a:t>
             </a:r>
             <a:endParaRPr lang="en-US" sz="2400" dirty="0">
               <a:latin typeface="微软雅黑" panose="020B0503020204020204" pitchFamily="34" charset="-122"/>
@@ -5268,6 +5269,243 @@
       </p:grpSpPr>
       <p:sp>
         <p:nvSpPr>
+          <p:cNvPr id="2" name="灯片编号占位符 1">
+            <a:extLst>
+              <a:ext uri="{FF2B5EF4-FFF2-40B4-BE49-F238E27FC236}">
+                <a16:creationId xmlns:a16="http://schemas.microsoft.com/office/drawing/2014/main" id="{4E00E62C-FD73-4C11-9970-7FE51F1DFEBB}"/>
+              </a:ext>
+            </a:extLst>
+          </p:cNvPr>
+          <p:cNvSpPr>
+            <a:spLocks noGrp="1"/>
+          </p:cNvSpPr>
+          <p:nvPr>
+            <p:ph type="sldNum" sz="quarter" idx="12"/>
+          </p:nvPr>
+        </p:nvSpPr>
+        <p:spPr/>
+        <p:txBody>
+          <a:bodyPr/>
+          <a:lstStyle/>
+          <a:p>
+            <a:fld id="{F6FCB41F-1275-4E82-87CF-39A0E3B54752}" type="slidenum">
+              <a:rPr lang="en-US" smtClean="0"/>
+              <a:t>17</a:t>
+            </a:fld>
+            <a:endParaRPr lang="en-US"/>
+          </a:p>
+        </p:txBody>
+      </p:sp>
+      <p:sp>
+        <p:nvSpPr>
+          <p:cNvPr id="4" name="文本框 3">
+            <a:extLst>
+              <a:ext uri="{FF2B5EF4-FFF2-40B4-BE49-F238E27FC236}">
+                <a16:creationId xmlns:a16="http://schemas.microsoft.com/office/drawing/2014/main" id="{2069FED0-3C82-455F-8560-74521B31B219}"/>
+              </a:ext>
+            </a:extLst>
+          </p:cNvPr>
+          <p:cNvSpPr txBox="1"/>
+          <p:nvPr/>
+        </p:nvSpPr>
+        <p:spPr>
+          <a:xfrm>
+            <a:off x="1360246" y="905576"/>
+            <a:ext cx="2107244" cy="707886"/>
+          </a:xfrm>
+          <a:prstGeom prst="rect">
+            <a:avLst/>
+          </a:prstGeom>
+          <a:noFill/>
+        </p:spPr>
+        <p:txBody>
+          <a:bodyPr wrap="none" rtlCol="0" anchor="ctr" anchorCtr="1">
+            <a:spAutoFit/>
+          </a:bodyPr>
+          <a:lstStyle/>
+          <a:p>
+            <a:pPr algn="ctr"/>
+            <a:r>
+              <a:rPr lang="en-US" sz="4000" dirty="0">
+                <a:latin typeface="微软雅黑" panose="020B0503020204020204" pitchFamily="34" charset="-122"/>
+                <a:ea typeface="微软雅黑" panose="020B0503020204020204" pitchFamily="34" charset="-122"/>
+                <a:cs typeface="Times New Roman" panose="02020603050405020304" pitchFamily="18" charset="0"/>
+              </a:rPr>
+              <a:t>tutorial </a:t>
+            </a:r>
+          </a:p>
+        </p:txBody>
+      </p:sp>
+      <p:sp>
+        <p:nvSpPr>
+          <p:cNvPr id="6" name="文本框 5">
+            <a:extLst>
+              <a:ext uri="{FF2B5EF4-FFF2-40B4-BE49-F238E27FC236}">
+                <a16:creationId xmlns:a16="http://schemas.microsoft.com/office/drawing/2014/main" id="{00873873-829C-4BBE-B8CC-8860C706C994}"/>
+              </a:ext>
+            </a:extLst>
+          </p:cNvPr>
+          <p:cNvSpPr txBox="1"/>
+          <p:nvPr/>
+        </p:nvSpPr>
+        <p:spPr>
+          <a:xfrm>
+            <a:off x="1810820" y="2218103"/>
+            <a:ext cx="8486119" cy="830997"/>
+          </a:xfrm>
+          <a:prstGeom prst="rect">
+            <a:avLst/>
+          </a:prstGeom>
+          <a:noFill/>
+        </p:spPr>
+        <p:txBody>
+          <a:bodyPr wrap="square" rtlCol="0">
+            <a:spAutoFit/>
+          </a:bodyPr>
+          <a:lstStyle/>
+          <a:p>
+            <a:pPr marL="342900" indent="-342900">
+              <a:buFont typeface="Arial" panose="020B0604020202020204" pitchFamily="34" charset="0"/>
+              <a:buChar char="•"/>
+            </a:pPr>
+            <a:r>
+              <a:rPr lang="en-US" sz="2400" dirty="0"/>
+              <a:t>[Tensorflow </a:t>
+            </a:r>
+            <a:r>
+              <a:rPr lang="zh-CN" altLang="en-US" sz="2400" dirty="0"/>
+              <a:t>官方中文教程</a:t>
+            </a:r>
+            <a:r>
+              <a:rPr lang="en-US" altLang="zh-CN" sz="2400" dirty="0"/>
+              <a:t>-</a:t>
+            </a:r>
+            <a:r>
+              <a:rPr lang="en-US" sz="2400" dirty="0"/>
+              <a:t>MNIST </a:t>
+            </a:r>
+            <a:r>
+              <a:rPr lang="zh-CN" altLang="en-US" sz="2400" dirty="0"/>
+              <a:t>进阶</a:t>
+            </a:r>
+            <a:r>
+              <a:rPr lang="en-US" altLang="zh-CN" sz="2400" dirty="0"/>
+              <a:t>]</a:t>
+            </a:r>
+          </a:p>
+          <a:p>
+            <a:r>
+              <a:rPr lang="en-US" sz="2400" dirty="0"/>
+              <a:t>     http://www.tensorfly.cn/tfdoc/tutorials/mnist_pros.html</a:t>
+            </a:r>
+          </a:p>
+        </p:txBody>
+      </p:sp>
+      <p:sp>
+        <p:nvSpPr>
+          <p:cNvPr id="8" name="文本框 7">
+            <a:extLst>
+              <a:ext uri="{FF2B5EF4-FFF2-40B4-BE49-F238E27FC236}">
+                <a16:creationId xmlns:a16="http://schemas.microsoft.com/office/drawing/2014/main" id="{A77A462E-F3D1-4065-91EE-FDD7C52B195C}"/>
+              </a:ext>
+            </a:extLst>
+          </p:cNvPr>
+          <p:cNvSpPr txBox="1"/>
+          <p:nvPr/>
+        </p:nvSpPr>
+        <p:spPr>
+          <a:xfrm>
+            <a:off x="1810820" y="3941423"/>
+            <a:ext cx="8486119" cy="830997"/>
+          </a:xfrm>
+          <a:prstGeom prst="rect">
+            <a:avLst/>
+          </a:prstGeom>
+          <a:noFill/>
+        </p:spPr>
+        <p:txBody>
+          <a:bodyPr wrap="square" rtlCol="0">
+            <a:spAutoFit/>
+          </a:bodyPr>
+          <a:lstStyle/>
+          <a:p>
+            <a:pPr marL="342900" indent="-342900">
+              <a:buFont typeface="Arial" panose="020B0604020202020204" pitchFamily="34" charset="0"/>
+              <a:buChar char="•"/>
+            </a:pPr>
+            <a:r>
+              <a:rPr lang="en-US" sz="2400" dirty="0"/>
+              <a:t>[Tensorflow </a:t>
+            </a:r>
+            <a:r>
+              <a:rPr lang="zh-CN" altLang="en-US" sz="2400" dirty="0"/>
+              <a:t>搭建自己的神经网络 </a:t>
+            </a:r>
+            <a:r>
+              <a:rPr lang="en-US" altLang="zh-CN" sz="2400" dirty="0"/>
+              <a:t>(</a:t>
+            </a:r>
+            <a:r>
+              <a:rPr lang="zh-CN" altLang="en-US" sz="2400" dirty="0"/>
+              <a:t>莫烦 </a:t>
+            </a:r>
+            <a:r>
+              <a:rPr lang="en-US" sz="2400" dirty="0"/>
+              <a:t>Python </a:t>
+            </a:r>
+            <a:r>
+              <a:rPr lang="zh-CN" altLang="en-US" sz="2400" dirty="0"/>
+              <a:t>教程</a:t>
+            </a:r>
+            <a:r>
+              <a:rPr lang="en-US" altLang="zh-CN" sz="2400" dirty="0"/>
+              <a:t>)]</a:t>
+            </a:r>
+          </a:p>
+          <a:p>
+            <a:r>
+              <a:rPr lang="en-US" altLang="zh-CN" sz="2400" dirty="0"/>
+              <a:t>     </a:t>
+            </a:r>
+            <a:r>
+              <a:rPr lang="en-US" sz="2400" dirty="0"/>
+              <a:t>https://www.bilibili.com/video/av16001891/?p=28</a:t>
+            </a:r>
+          </a:p>
+        </p:txBody>
+      </p:sp>
+    </p:spTree>
+    <p:extLst>
+      <p:ext uri="{BB962C8B-B14F-4D97-AF65-F5344CB8AC3E}">
+        <p14:creationId xmlns:p14="http://schemas.microsoft.com/office/powerpoint/2010/main" val="3673560256"/>
+      </p:ext>
+    </p:extLst>
+  </p:cSld>
+  <p:clrMapOvr>
+    <a:masterClrMapping/>
+  </p:clrMapOvr>
+</p:sld>
+</file>
+
+<file path=ppt/slides/slide18.xml><?xml version="1.0" encoding="utf-8"?>
+<p:sld xmlns:a="http://schemas.openxmlformats.org/drawingml/2006/main" xmlns:r="http://schemas.openxmlformats.org/officeDocument/2006/relationships" xmlns:p="http://schemas.openxmlformats.org/presentationml/2006/main">
+  <p:cSld>
+    <p:spTree>
+      <p:nvGrpSpPr>
+        <p:cNvPr id="1" name=""/>
+        <p:cNvGrpSpPr/>
+        <p:nvPr/>
+      </p:nvGrpSpPr>
+      <p:grpSpPr>
+        <a:xfrm>
+          <a:off x="0" y="0"/>
+          <a:ext cx="0" cy="0"/>
+          <a:chOff x="0" y="0"/>
+          <a:chExt cx="0" cy="0"/>
+        </a:xfrm>
+      </p:grpSpPr>
+      <p:sp>
+        <p:nvSpPr>
           <p:cNvPr id="3" name="文本框 2">
             <a:extLst>
               <a:ext uri="{FF2B5EF4-FFF2-40B4-BE49-F238E27FC236}">
@@ -5334,7 +5572,7 @@
           <a:p>
             <a:fld id="{F6FCB41F-1275-4E82-87CF-39A0E3B54752}" type="slidenum">
               <a:rPr lang="en-US" smtClean="0"/>
-              <a:t>17</a:t>
+              <a:t>18</a:t>
             </a:fld>
             <a:endParaRPr lang="en-US"/>
           </a:p>
@@ -5846,6 +6084,189 @@
           </a:p>
         </p:txBody>
       </p:sp>
+      <p:sp>
+        <p:nvSpPr>
+          <p:cNvPr id="8" name="文本框 7">
+            <a:extLst>
+              <a:ext uri="{FF2B5EF4-FFF2-40B4-BE49-F238E27FC236}">
+                <a16:creationId xmlns:a16="http://schemas.microsoft.com/office/drawing/2014/main" id="{4DBBB96F-11F7-4A0B-AED0-7D9F1B09034D}"/>
+              </a:ext>
+            </a:extLst>
+          </p:cNvPr>
+          <p:cNvSpPr txBox="1"/>
+          <p:nvPr/>
+        </p:nvSpPr>
+        <p:spPr>
+          <a:xfrm>
+            <a:off x="6096000" y="2461846"/>
+            <a:ext cx="883575" cy="400110"/>
+          </a:xfrm>
+          <a:prstGeom prst="rect">
+            <a:avLst/>
+          </a:prstGeom>
+          <a:noFill/>
+        </p:spPr>
+        <p:txBody>
+          <a:bodyPr wrap="none" rtlCol="0">
+            <a:spAutoFit/>
+          </a:bodyPr>
+          <a:lstStyle/>
+          <a:p>
+            <a:r>
+              <a:rPr lang="en-US" altLang="zh-CN" sz="2000" dirty="0">
+                <a:latin typeface="微软雅黑" panose="020B0503020204020204" pitchFamily="34" charset="-122"/>
+                <a:ea typeface="微软雅黑" panose="020B0503020204020204" pitchFamily="34" charset="-122"/>
+              </a:rPr>
+              <a:t>n</a:t>
+            </a:r>
+            <a:r>
+              <a:rPr lang="en-US" sz="2000" dirty="0">
+                <a:latin typeface="微软雅黑" panose="020B0503020204020204" pitchFamily="34" charset="-122"/>
+                <a:ea typeface="微软雅黑" panose="020B0503020204020204" pitchFamily="34" charset="-122"/>
+              </a:rPr>
+              <a:t>-f+1</a:t>
+            </a:r>
+          </a:p>
+        </p:txBody>
+      </p:sp>
+      <mc:AlternateContent xmlns:mc="http://schemas.openxmlformats.org/markup-compatibility/2006">
+        <mc:Choice xmlns:a14="http://schemas.microsoft.com/office/drawing/2010/main" Requires="a14">
+          <p:sp>
+            <p:nvSpPr>
+              <p:cNvPr id="6" name="文本框 5">
+                <a:extLst>
+                  <a:ext uri="{FF2B5EF4-FFF2-40B4-BE49-F238E27FC236}">
+                    <a16:creationId xmlns:a16="http://schemas.microsoft.com/office/drawing/2014/main" id="{3DD839C0-704F-427F-8F31-74125C1C63D6}"/>
+                  </a:ext>
+                </a:extLst>
+              </p:cNvPr>
+              <p:cNvSpPr txBox="1"/>
+              <p:nvPr/>
+            </p:nvSpPr>
+            <p:spPr>
+              <a:xfrm>
+                <a:off x="3541458" y="5310554"/>
+                <a:ext cx="828367" cy="524759"/>
+              </a:xfrm>
+              <a:prstGeom prst="rect">
+                <a:avLst/>
+              </a:prstGeom>
+              <a:noFill/>
+            </p:spPr>
+            <p:txBody>
+              <a:bodyPr wrap="none" lIns="0" tIns="0" rIns="0" bIns="0" rtlCol="0">
+                <a:spAutoFit/>
+              </a:bodyPr>
+              <a:lstStyle/>
+              <a:p>
+                <a14:m>
+                  <m:oMathPara xmlns:m="http://schemas.openxmlformats.org/officeDocument/2006/math">
+                    <m:oMathParaPr>
+                      <m:jc m:val="centerGroup"/>
+                    </m:oMathParaPr>
+                    <m:oMath xmlns:m="http://schemas.openxmlformats.org/officeDocument/2006/math">
+                      <m:r>
+                        <a:rPr lang="en-US" b="0" i="1" smtClean="0">
+                          <a:latin typeface="Cambria Math" panose="02040503050406030204" pitchFamily="18" charset="0"/>
+                        </a:rPr>
+                        <m:t>𝑝</m:t>
+                      </m:r>
+                      <m:r>
+                        <a:rPr lang="en-US" b="0" i="1" smtClean="0">
+                          <a:latin typeface="Cambria Math" panose="02040503050406030204" pitchFamily="18" charset="0"/>
+                        </a:rPr>
+                        <m:t>= </m:t>
+                      </m:r>
+                      <m:f>
+                        <m:fPr>
+                          <m:ctrlPr>
+                            <a:rPr lang="en-US" i="1" smtClean="0">
+                              <a:latin typeface="Cambria Math" panose="02040503050406030204" pitchFamily="18" charset="0"/>
+                            </a:rPr>
+                          </m:ctrlPr>
+                        </m:fPr>
+                        <m:num>
+                          <m:r>
+                            <m:rPr>
+                              <m:sty m:val="p"/>
+                            </m:rPr>
+                            <a:rPr lang="en-US" altLang="zh-CN" i="1">
+                              <a:latin typeface="Cambria Math" panose="02040503050406030204" pitchFamily="18" charset="0"/>
+                            </a:rPr>
+                            <m:t>f</m:t>
+                          </m:r>
+                          <m:r>
+                            <a:rPr lang="en-US" altLang="zh-CN" i="1">
+                              <a:latin typeface="Cambria Math" panose="02040503050406030204" pitchFamily="18" charset="0"/>
+                            </a:rPr>
+                            <m:t>-1</m:t>
+                          </m:r>
+                        </m:num>
+                        <m:den>
+                          <m:r>
+                            <a:rPr lang="en-US" b="0" i="1" smtClean="0">
+                              <a:latin typeface="Cambria Math" panose="02040503050406030204" pitchFamily="18" charset="0"/>
+                            </a:rPr>
+                            <m:t>2</m:t>
+                          </m:r>
+                        </m:den>
+                      </m:f>
+                    </m:oMath>
+                  </m:oMathPara>
+                </a14:m>
+                <a:endParaRPr lang="en-US" dirty="0">
+                  <a:latin typeface="微软雅黑" panose="020B0503020204020204" pitchFamily="34" charset="-122"/>
+                  <a:ea typeface="微软雅黑" panose="020B0503020204020204" pitchFamily="34" charset="-122"/>
+                </a:endParaRPr>
+              </a:p>
+            </p:txBody>
+          </p:sp>
+        </mc:Choice>
+        <mc:Fallback>
+          <p:sp>
+            <p:nvSpPr>
+              <p:cNvPr id="6" name="文本框 5">
+                <a:extLst>
+                  <a:ext uri="{FF2B5EF4-FFF2-40B4-BE49-F238E27FC236}">
+                    <a16:creationId xmlns:a16="http://schemas.microsoft.com/office/drawing/2014/main" id="{3DD839C0-704F-427F-8F31-74125C1C63D6}"/>
+                  </a:ext>
+                </a:extLst>
+              </p:cNvPr>
+              <p:cNvSpPr txBox="1">
+                <a:spLocks noRot="1" noChangeAspect="1" noMove="1" noResize="1" noEditPoints="1" noAdjustHandles="1" noChangeArrowheads="1" noChangeShapeType="1" noTextEdit="1"/>
+              </p:cNvSpPr>
+              <p:nvPr/>
+            </p:nvSpPr>
+            <p:spPr>
+              <a:xfrm>
+                <a:off x="3541458" y="5310554"/>
+                <a:ext cx="828367" cy="524759"/>
+              </a:xfrm>
+              <a:prstGeom prst="rect">
+                <a:avLst/>
+              </a:prstGeom>
+              <a:blipFill>
+                <a:blip r:embed="rId2"/>
+                <a:stretch>
+                  <a:fillRect/>
+                </a:stretch>
+              </a:blipFill>
+            </p:spPr>
+            <p:txBody>
+              <a:bodyPr/>
+              <a:lstStyle/>
+              <a:p>
+                <a:r>
+                  <a:rPr lang="en-US">
+                    <a:noFill/>
+                  </a:rPr>
+                  <a:t> </a:t>
+                </a:r>
+              </a:p>
+            </p:txBody>
+          </p:sp>
+        </mc:Fallback>
+      </mc:AlternateContent>
     </p:spTree>
     <p:extLst>
       <p:ext uri="{BB962C8B-B14F-4D97-AF65-F5344CB8AC3E}">
@@ -7456,36 +7877,6 @@
           </a:p>
         </p:txBody>
       </p:sp>
-      <p:pic>
-        <p:nvPicPr>
-          <p:cNvPr id="12" name="图片 11">
-            <a:extLst>
-              <a:ext uri="{FF2B5EF4-FFF2-40B4-BE49-F238E27FC236}">
-                <a16:creationId xmlns:a16="http://schemas.microsoft.com/office/drawing/2014/main" id="{0C1D37F0-4876-4A2E-BBEA-9D8EAFAECF78}"/>
-              </a:ext>
-            </a:extLst>
-          </p:cNvPr>
-          <p:cNvPicPr>
-            <a:picLocks noChangeAspect="1"/>
-          </p:cNvPicPr>
-          <p:nvPr/>
-        </p:nvPicPr>
-        <p:blipFill>
-          <a:blip r:embed="rId4"/>
-          <a:stretch>
-            <a:fillRect/>
-          </a:stretch>
-        </p:blipFill>
-        <p:spPr>
-          <a:xfrm>
-            <a:off x="793443" y="2144361"/>
-            <a:ext cx="1437624" cy="1464002"/>
-          </a:xfrm>
-          <a:prstGeom prst="rect">
-            <a:avLst/>
-          </a:prstGeom>
-        </p:spPr>
-      </p:pic>
       <p:cxnSp>
         <p:nvCxnSpPr>
           <p:cNvPr id="14" name="直接箭头连接符 13">
@@ -8282,7 +8673,7 @@
           <p:nvPr/>
         </p:nvPicPr>
         <p:blipFill>
-          <a:blip r:embed="rId5"/>
+          <a:blip r:embed="rId4"/>
           <a:stretch>
             <a:fillRect/>
           </a:stretch>
@@ -8468,7 +8859,7 @@
           <p:nvPr/>
         </p:nvPicPr>
         <p:blipFill>
-          <a:blip r:embed="rId5"/>
+          <a:blip r:embed="rId4"/>
           <a:stretch>
             <a:fillRect/>
           </a:stretch>
@@ -8696,7 +9087,7 @@
           <p:nvPr/>
         </p:nvPicPr>
         <p:blipFill>
-          <a:blip r:embed="rId6"/>
+          <a:blip r:embed="rId5"/>
           <a:stretch>
             <a:fillRect/>
           </a:stretch>
@@ -8726,7 +9117,7 @@
         <p:spPr>
           <a:xfrm>
             <a:off x="8355601" y="5100529"/>
-            <a:ext cx="1141659" cy="646331"/>
+            <a:ext cx="1276311" cy="646331"/>
           </a:xfrm>
           <a:prstGeom prst="rect">
             <a:avLst/>
@@ -8757,7 +9148,7 @@
                 <a:latin typeface="微软雅黑" panose="020B0503020204020204" pitchFamily="34" charset="-122"/>
                 <a:ea typeface="微软雅黑" panose="020B0503020204020204" pitchFamily="34" charset="-122"/>
               </a:rPr>
-              <a:t>2 output</a:t>
+              <a:t>10 output</a:t>
             </a:r>
           </a:p>
         </p:txBody>
@@ -8791,6 +9182,36 @@
           </a:p>
         </p:txBody>
       </p:sp>
+      <p:pic>
+        <p:nvPicPr>
+          <p:cNvPr id="3" name="图片 2">
+            <a:extLst>
+              <a:ext uri="{FF2B5EF4-FFF2-40B4-BE49-F238E27FC236}">
+                <a16:creationId xmlns:a16="http://schemas.microsoft.com/office/drawing/2014/main" id="{CF06023D-0C7D-4B4F-8DC8-F84CD63B19D2}"/>
+              </a:ext>
+            </a:extLst>
+          </p:cNvPr>
+          <p:cNvPicPr>
+            <a:picLocks noChangeAspect="1"/>
+          </p:cNvPicPr>
+          <p:nvPr/>
+        </p:nvPicPr>
+        <p:blipFill>
+          <a:blip r:embed="rId6"/>
+          <a:stretch>
+            <a:fillRect/>
+          </a:stretch>
+        </p:blipFill>
+        <p:spPr>
+          <a:xfrm>
+            <a:off x="913518" y="2204643"/>
+            <a:ext cx="1270044" cy="1307036"/>
+          </a:xfrm>
+          <a:prstGeom prst="rect">
+            <a:avLst/>
+          </a:prstGeom>
+        </p:spPr>
+      </p:pic>
     </p:spTree>
     <p:extLst>
       <p:ext uri="{BB962C8B-B14F-4D97-AF65-F5344CB8AC3E}">
